--- a/bsirg/bwas_sensory.pptx
+++ b/bsirg/bwas_sensory.pptx
@@ -4,6 +4,9 @@
   <p:sldMasterIdLst>
     <p:sldMasterId id="2147483660" r:id="rId4"/>
   </p:sldMasterIdLst>
+  <p:notesMasterIdLst>
+    <p:notesMasterId r:id="rId21"/>
+  </p:notesMasterIdLst>
   <p:sldIdLst>
     <p:sldId id="256" r:id="rId5"/>
     <p:sldId id="257" r:id="rId6"/>
@@ -16,6 +19,11 @@
     <p:sldId id="268" r:id="rId13"/>
     <p:sldId id="260" r:id="rId14"/>
     <p:sldId id="261" r:id="rId15"/>
+    <p:sldId id="269" r:id="rId16"/>
+    <p:sldId id="273" r:id="rId17"/>
+    <p:sldId id="272" r:id="rId18"/>
+    <p:sldId id="270" r:id="rId19"/>
+    <p:sldId id="271" r:id="rId20"/>
   </p:sldIdLst>
   <p:sldSz cx="12192000" cy="6858000"/>
   <p:notesSz cx="6858000" cy="9144000"/>
@@ -122,13 +130,595 @@
 </p:presentation>
 </file>
 
-<file path=ppt/revisionInfo.xml><?xml version="1.0" encoding="utf-8"?>
-<p1510:revInfo xmlns:a="http://schemas.openxmlformats.org/drawingml/2006/main" xmlns:r="http://schemas.openxmlformats.org/officeDocument/2006/relationships" xmlns:p1510="http://schemas.microsoft.com/office/powerpoint/2015/10/main">
-  <p1510:revLst>
-    <p1510:client id="{8E4CF713-39A8-4098-9874-BC9EED46EDAE}" v="42" dt="2024-12-11T02:06:24.427"/>
-    <p1510:client id="{94631FDD-D68D-DC21-A625-D766413A53DB}" v="410" dt="2024-12-11T02:00:33.564"/>
-  </p1510:revLst>
-</p1510:revInfo>
+<file path=ppt/notesMasters/notesMaster1.xml><?xml version="1.0" encoding="utf-8"?>
+<p:notesMaster xmlns:a="http://schemas.openxmlformats.org/drawingml/2006/main" xmlns:r="http://schemas.openxmlformats.org/officeDocument/2006/relationships" xmlns:p="http://schemas.openxmlformats.org/presentationml/2006/main">
+  <p:cSld>
+    <p:bg>
+      <p:bgRef idx="1001">
+        <a:schemeClr val="bg1"/>
+      </p:bgRef>
+    </p:bg>
+    <p:spTree>
+      <p:nvGrpSpPr>
+        <p:cNvPr id="1" name=""/>
+        <p:cNvGrpSpPr/>
+        <p:nvPr/>
+      </p:nvGrpSpPr>
+      <p:grpSpPr>
+        <a:xfrm>
+          <a:off x="0" y="0"/>
+          <a:ext cx="0" cy="0"/>
+          <a:chOff x="0" y="0"/>
+          <a:chExt cx="0" cy="0"/>
+        </a:xfrm>
+      </p:grpSpPr>
+      <p:sp>
+        <p:nvSpPr>
+          <p:cNvPr id="2" name="Header Placeholder 1"/>
+          <p:cNvSpPr>
+            <a:spLocks noGrp="1"/>
+          </p:cNvSpPr>
+          <p:nvPr>
+            <p:ph type="hdr" sz="quarter"/>
+          </p:nvPr>
+        </p:nvSpPr>
+        <p:spPr>
+          <a:xfrm>
+            <a:off x="0" y="0"/>
+            <a:ext cx="2971800" cy="458788"/>
+          </a:xfrm>
+          <a:prstGeom prst="rect">
+            <a:avLst/>
+          </a:prstGeom>
+        </p:spPr>
+        <p:txBody>
+          <a:bodyPr vert="horz" lIns="91440" tIns="45720" rIns="91440" bIns="45720" rtlCol="0"/>
+          <a:lstStyle>
+            <a:lvl1pPr algn="l">
+              <a:defRPr sz="1200"/>
+            </a:lvl1pPr>
+          </a:lstStyle>
+          <a:p>
+            <a:endParaRPr lang="en-US"/>
+          </a:p>
+        </p:txBody>
+      </p:sp>
+      <p:sp>
+        <p:nvSpPr>
+          <p:cNvPr id="3" name="Date Placeholder 2"/>
+          <p:cNvSpPr>
+            <a:spLocks noGrp="1"/>
+          </p:cNvSpPr>
+          <p:nvPr>
+            <p:ph type="dt" idx="1"/>
+          </p:nvPr>
+        </p:nvSpPr>
+        <p:spPr>
+          <a:xfrm>
+            <a:off x="3884613" y="0"/>
+            <a:ext cx="2971800" cy="458788"/>
+          </a:xfrm>
+          <a:prstGeom prst="rect">
+            <a:avLst/>
+          </a:prstGeom>
+        </p:spPr>
+        <p:txBody>
+          <a:bodyPr vert="horz" lIns="91440" tIns="45720" rIns="91440" bIns="45720" rtlCol="0"/>
+          <a:lstStyle>
+            <a:lvl1pPr algn="r">
+              <a:defRPr sz="1200"/>
+            </a:lvl1pPr>
+          </a:lstStyle>
+          <a:p>
+            <a:fld id="{82F32EFE-22B9-4E7C-9D80-47E0F63A5963}" type="datetimeFigureOut">
+              <a:rPr lang="en-US" smtClean="0"/>
+              <a:t>12/12/2024</a:t>
+            </a:fld>
+            <a:endParaRPr lang="en-US"/>
+          </a:p>
+        </p:txBody>
+      </p:sp>
+      <p:sp>
+        <p:nvSpPr>
+          <p:cNvPr id="4" name="Slide Image Placeholder 3"/>
+          <p:cNvSpPr>
+            <a:spLocks noGrp="1" noRot="1" noChangeAspect="1"/>
+          </p:cNvSpPr>
+          <p:nvPr>
+            <p:ph type="sldImg" idx="2"/>
+          </p:nvPr>
+        </p:nvSpPr>
+        <p:spPr>
+          <a:xfrm>
+            <a:off x="685800" y="1143000"/>
+            <a:ext cx="5486400" cy="3086100"/>
+          </a:xfrm>
+          <a:prstGeom prst="rect">
+            <a:avLst/>
+          </a:prstGeom>
+          <a:noFill/>
+          <a:ln w="12700">
+            <a:solidFill>
+              <a:prstClr val="black"/>
+            </a:solidFill>
+          </a:ln>
+        </p:spPr>
+        <p:txBody>
+          <a:bodyPr vert="horz" lIns="91440" tIns="45720" rIns="91440" bIns="45720" rtlCol="0" anchor="ctr"/>
+          <a:lstStyle/>
+          <a:p>
+            <a:endParaRPr lang="en-US"/>
+          </a:p>
+        </p:txBody>
+      </p:sp>
+      <p:sp>
+        <p:nvSpPr>
+          <p:cNvPr id="5" name="Notes Placeholder 4"/>
+          <p:cNvSpPr>
+            <a:spLocks noGrp="1"/>
+          </p:cNvSpPr>
+          <p:nvPr>
+            <p:ph type="body" sz="quarter" idx="3"/>
+          </p:nvPr>
+        </p:nvSpPr>
+        <p:spPr>
+          <a:xfrm>
+            <a:off x="685800" y="4400550"/>
+            <a:ext cx="5486400" cy="3600450"/>
+          </a:xfrm>
+          <a:prstGeom prst="rect">
+            <a:avLst/>
+          </a:prstGeom>
+        </p:spPr>
+        <p:txBody>
+          <a:bodyPr vert="horz" lIns="91440" tIns="45720" rIns="91440" bIns="45720" rtlCol="0"/>
+          <a:lstStyle/>
+          <a:p>
+            <a:pPr lvl="0"/>
+            <a:r>
+              <a:rPr lang="en-US"/>
+              <a:t>Click to edit Master text styles</a:t>
+            </a:r>
+          </a:p>
+          <a:p>
+            <a:pPr lvl="1"/>
+            <a:r>
+              <a:rPr lang="en-US"/>
+              <a:t>Second level</a:t>
+            </a:r>
+          </a:p>
+          <a:p>
+            <a:pPr lvl="2"/>
+            <a:r>
+              <a:rPr lang="en-US"/>
+              <a:t>Third level</a:t>
+            </a:r>
+          </a:p>
+          <a:p>
+            <a:pPr lvl="3"/>
+            <a:r>
+              <a:rPr lang="en-US"/>
+              <a:t>Fourth level</a:t>
+            </a:r>
+          </a:p>
+          <a:p>
+            <a:pPr lvl="4"/>
+            <a:r>
+              <a:rPr lang="en-US"/>
+              <a:t>Fifth level</a:t>
+            </a:r>
+          </a:p>
+        </p:txBody>
+      </p:sp>
+      <p:sp>
+        <p:nvSpPr>
+          <p:cNvPr id="6" name="Footer Placeholder 5"/>
+          <p:cNvSpPr>
+            <a:spLocks noGrp="1"/>
+          </p:cNvSpPr>
+          <p:nvPr>
+            <p:ph type="ftr" sz="quarter" idx="4"/>
+          </p:nvPr>
+        </p:nvSpPr>
+        <p:spPr>
+          <a:xfrm>
+            <a:off x="0" y="8685213"/>
+            <a:ext cx="2971800" cy="458787"/>
+          </a:xfrm>
+          <a:prstGeom prst="rect">
+            <a:avLst/>
+          </a:prstGeom>
+        </p:spPr>
+        <p:txBody>
+          <a:bodyPr vert="horz" lIns="91440" tIns="45720" rIns="91440" bIns="45720" rtlCol="0" anchor="b"/>
+          <a:lstStyle>
+            <a:lvl1pPr algn="l">
+              <a:defRPr sz="1200"/>
+            </a:lvl1pPr>
+          </a:lstStyle>
+          <a:p>
+            <a:endParaRPr lang="en-US"/>
+          </a:p>
+        </p:txBody>
+      </p:sp>
+      <p:sp>
+        <p:nvSpPr>
+          <p:cNvPr id="7" name="Slide Number Placeholder 6"/>
+          <p:cNvSpPr>
+            <a:spLocks noGrp="1"/>
+          </p:cNvSpPr>
+          <p:nvPr>
+            <p:ph type="sldNum" sz="quarter" idx="5"/>
+          </p:nvPr>
+        </p:nvSpPr>
+        <p:spPr>
+          <a:xfrm>
+            <a:off x="3884613" y="8685213"/>
+            <a:ext cx="2971800" cy="458787"/>
+          </a:xfrm>
+          <a:prstGeom prst="rect">
+            <a:avLst/>
+          </a:prstGeom>
+        </p:spPr>
+        <p:txBody>
+          <a:bodyPr vert="horz" lIns="91440" tIns="45720" rIns="91440" bIns="45720" rtlCol="0" anchor="b"/>
+          <a:lstStyle>
+            <a:lvl1pPr algn="r">
+              <a:defRPr sz="1200"/>
+            </a:lvl1pPr>
+          </a:lstStyle>
+          <a:p>
+            <a:fld id="{31E80250-701A-4557-B820-B2FCEF04B78D}" type="slidenum">
+              <a:rPr lang="en-US" smtClean="0"/>
+              <a:t>‹#›</a:t>
+            </a:fld>
+            <a:endParaRPr lang="en-US"/>
+          </a:p>
+        </p:txBody>
+      </p:sp>
+    </p:spTree>
+    <p:extLst>
+      <p:ext uri="{BB962C8B-B14F-4D97-AF65-F5344CB8AC3E}">
+        <p14:creationId xmlns:p14="http://schemas.microsoft.com/office/powerpoint/2010/main" val="4162297389"/>
+      </p:ext>
+    </p:extLst>
+  </p:cSld>
+  <p:clrMap bg1="lt1" tx1="dk1" bg2="lt2" tx2="dk2" accent1="accent1" accent2="accent2" accent3="accent3" accent4="accent4" accent5="accent5" accent6="accent6" hlink="hlink" folHlink="folHlink"/>
+  <p:notesStyle>
+    <a:lvl1pPr marL="0" algn="l" defTabSz="914400" rtl="0" eaLnBrk="1" latinLnBrk="0" hangingPunct="1">
+      <a:defRPr sz="1200" kern="1200">
+        <a:solidFill>
+          <a:schemeClr val="tx1"/>
+        </a:solidFill>
+        <a:latin typeface="+mn-lt"/>
+        <a:ea typeface="+mn-ea"/>
+        <a:cs typeface="+mn-cs"/>
+      </a:defRPr>
+    </a:lvl1pPr>
+    <a:lvl2pPr marL="457200" algn="l" defTabSz="914400" rtl="0" eaLnBrk="1" latinLnBrk="0" hangingPunct="1">
+      <a:defRPr sz="1200" kern="1200">
+        <a:solidFill>
+          <a:schemeClr val="tx1"/>
+        </a:solidFill>
+        <a:latin typeface="+mn-lt"/>
+        <a:ea typeface="+mn-ea"/>
+        <a:cs typeface="+mn-cs"/>
+      </a:defRPr>
+    </a:lvl2pPr>
+    <a:lvl3pPr marL="914400" algn="l" defTabSz="914400" rtl="0" eaLnBrk="1" latinLnBrk="0" hangingPunct="1">
+      <a:defRPr sz="1200" kern="1200">
+        <a:solidFill>
+          <a:schemeClr val="tx1"/>
+        </a:solidFill>
+        <a:latin typeface="+mn-lt"/>
+        <a:ea typeface="+mn-ea"/>
+        <a:cs typeface="+mn-cs"/>
+      </a:defRPr>
+    </a:lvl3pPr>
+    <a:lvl4pPr marL="1371600" algn="l" defTabSz="914400" rtl="0" eaLnBrk="1" latinLnBrk="0" hangingPunct="1">
+      <a:defRPr sz="1200" kern="1200">
+        <a:solidFill>
+          <a:schemeClr val="tx1"/>
+        </a:solidFill>
+        <a:latin typeface="+mn-lt"/>
+        <a:ea typeface="+mn-ea"/>
+        <a:cs typeface="+mn-cs"/>
+      </a:defRPr>
+    </a:lvl4pPr>
+    <a:lvl5pPr marL="1828800" algn="l" defTabSz="914400" rtl="0" eaLnBrk="1" latinLnBrk="0" hangingPunct="1">
+      <a:defRPr sz="1200" kern="1200">
+        <a:solidFill>
+          <a:schemeClr val="tx1"/>
+        </a:solidFill>
+        <a:latin typeface="+mn-lt"/>
+        <a:ea typeface="+mn-ea"/>
+        <a:cs typeface="+mn-cs"/>
+      </a:defRPr>
+    </a:lvl5pPr>
+    <a:lvl6pPr marL="2286000" algn="l" defTabSz="914400" rtl="0" eaLnBrk="1" latinLnBrk="0" hangingPunct="1">
+      <a:defRPr sz="1200" kern="1200">
+        <a:solidFill>
+          <a:schemeClr val="tx1"/>
+        </a:solidFill>
+        <a:latin typeface="+mn-lt"/>
+        <a:ea typeface="+mn-ea"/>
+        <a:cs typeface="+mn-cs"/>
+      </a:defRPr>
+    </a:lvl6pPr>
+    <a:lvl7pPr marL="2743200" algn="l" defTabSz="914400" rtl="0" eaLnBrk="1" latinLnBrk="0" hangingPunct="1">
+      <a:defRPr sz="1200" kern="1200">
+        <a:solidFill>
+          <a:schemeClr val="tx1"/>
+        </a:solidFill>
+        <a:latin typeface="+mn-lt"/>
+        <a:ea typeface="+mn-ea"/>
+        <a:cs typeface="+mn-cs"/>
+      </a:defRPr>
+    </a:lvl7pPr>
+    <a:lvl8pPr marL="3200400" algn="l" defTabSz="914400" rtl="0" eaLnBrk="1" latinLnBrk="0" hangingPunct="1">
+      <a:defRPr sz="1200" kern="1200">
+        <a:solidFill>
+          <a:schemeClr val="tx1"/>
+        </a:solidFill>
+        <a:latin typeface="+mn-lt"/>
+        <a:ea typeface="+mn-ea"/>
+        <a:cs typeface="+mn-cs"/>
+      </a:defRPr>
+    </a:lvl8pPr>
+    <a:lvl9pPr marL="3657600" algn="l" defTabSz="914400" rtl="0" eaLnBrk="1" latinLnBrk="0" hangingPunct="1">
+      <a:defRPr sz="1200" kern="1200">
+        <a:solidFill>
+          <a:schemeClr val="tx1"/>
+        </a:solidFill>
+        <a:latin typeface="+mn-lt"/>
+        <a:ea typeface="+mn-ea"/>
+        <a:cs typeface="+mn-cs"/>
+      </a:defRPr>
+    </a:lvl9pPr>
+  </p:notesStyle>
+</p:notesMaster>
+</file>
+
+<file path=ppt/notesSlides/notesSlide1.xml><?xml version="1.0" encoding="utf-8"?>
+<p:notes xmlns:a="http://schemas.openxmlformats.org/drawingml/2006/main" xmlns:r="http://schemas.openxmlformats.org/officeDocument/2006/relationships" xmlns:p="http://schemas.openxmlformats.org/presentationml/2006/main">
+  <p:cSld>
+    <p:spTree>
+      <p:nvGrpSpPr>
+        <p:cNvPr id="1" name=""/>
+        <p:cNvGrpSpPr/>
+        <p:nvPr/>
+      </p:nvGrpSpPr>
+      <p:grpSpPr>
+        <a:xfrm>
+          <a:off x="0" y="0"/>
+          <a:ext cx="0" cy="0"/>
+          <a:chOff x="0" y="0"/>
+          <a:chExt cx="0" cy="0"/>
+        </a:xfrm>
+      </p:grpSpPr>
+      <p:sp>
+        <p:nvSpPr>
+          <p:cNvPr id="2" name="Slide Image Placeholder 1"/>
+          <p:cNvSpPr>
+            <a:spLocks noGrp="1" noRot="1" noChangeAspect="1"/>
+          </p:cNvSpPr>
+          <p:nvPr>
+            <p:ph type="sldImg"/>
+          </p:nvPr>
+        </p:nvSpPr>
+        <p:spPr/>
+      </p:sp>
+      <p:sp>
+        <p:nvSpPr>
+          <p:cNvPr id="3" name="Notes Placeholder 2"/>
+          <p:cNvSpPr>
+            <a:spLocks noGrp="1"/>
+          </p:cNvSpPr>
+          <p:nvPr>
+            <p:ph type="body" idx="1"/>
+          </p:nvPr>
+        </p:nvSpPr>
+        <p:spPr/>
+        <p:txBody>
+          <a:bodyPr/>
+          <a:lstStyle/>
+          <a:p>
+            <a:r>
+              <a:rPr lang="en-US" dirty="0"/>
+              <a:t>BS should be aligned sensory and motor</a:t>
+            </a:r>
+          </a:p>
+          <a:p>
+            <a:r>
+              <a:rPr lang="en-US" dirty="0"/>
+              <a:t>Do have </a:t>
+            </a:r>
+            <a:r>
+              <a:rPr lang="en-US" dirty="0" err="1"/>
+              <a:t>hypotheseis</a:t>
+            </a:r>
+            <a:r>
+              <a:rPr lang="en-US" dirty="0"/>
+              <a:t>. These nuclei do so many things and have a lot of overlap. Autonomic sensory wholistic. Integrated picture.</a:t>
+            </a:r>
+          </a:p>
+          <a:p>
+            <a:r>
+              <a:rPr lang="en-US" dirty="0"/>
+              <a:t>BOT2 only. Wanted to get a </a:t>
+            </a:r>
+            <a:r>
+              <a:rPr lang="en-US" dirty="0" err="1"/>
+              <a:t>ssense</a:t>
+            </a:r>
+            <a:r>
+              <a:rPr lang="en-US" dirty="0"/>
+              <a:t> of whether or not.</a:t>
+            </a:r>
+          </a:p>
+          <a:p>
+            <a:r>
+              <a:rPr lang="en-US" dirty="0"/>
+              <a:t>Measure at floor for non-ASD for SEQ3.0 and EASI. BOT2 pretty good range for both.</a:t>
+            </a:r>
+          </a:p>
+        </p:txBody>
+      </p:sp>
+      <p:sp>
+        <p:nvSpPr>
+          <p:cNvPr id="4" name="Slide Number Placeholder 3"/>
+          <p:cNvSpPr>
+            <a:spLocks noGrp="1"/>
+          </p:cNvSpPr>
+          <p:nvPr>
+            <p:ph type="sldNum" sz="quarter" idx="5"/>
+          </p:nvPr>
+        </p:nvSpPr>
+        <p:spPr/>
+        <p:txBody>
+          <a:bodyPr/>
+          <a:lstStyle/>
+          <a:p>
+            <a:fld id="{31E80250-701A-4557-B820-B2FCEF04B78D}" type="slidenum">
+              <a:rPr lang="en-US" smtClean="0"/>
+              <a:t>2</a:t>
+            </a:fld>
+            <a:endParaRPr lang="en-US"/>
+          </a:p>
+        </p:txBody>
+      </p:sp>
+    </p:spTree>
+    <p:extLst>
+      <p:ext uri="{BB962C8B-B14F-4D97-AF65-F5344CB8AC3E}">
+        <p14:creationId xmlns:p14="http://schemas.microsoft.com/office/powerpoint/2010/main" val="2414560814"/>
+      </p:ext>
+    </p:extLst>
+  </p:cSld>
+  <p:clrMapOvr>
+    <a:masterClrMapping/>
+  </p:clrMapOvr>
+</p:notes>
+</file>
+
+<file path=ppt/notesSlides/notesSlide2.xml><?xml version="1.0" encoding="utf-8"?>
+<p:notes xmlns:a="http://schemas.openxmlformats.org/drawingml/2006/main" xmlns:r="http://schemas.openxmlformats.org/officeDocument/2006/relationships" xmlns:p="http://schemas.openxmlformats.org/presentationml/2006/main">
+  <p:cSld>
+    <p:spTree>
+      <p:nvGrpSpPr>
+        <p:cNvPr id="1" name=""/>
+        <p:cNvGrpSpPr/>
+        <p:nvPr/>
+      </p:nvGrpSpPr>
+      <p:grpSpPr>
+        <a:xfrm>
+          <a:off x="0" y="0"/>
+          <a:ext cx="0" cy="0"/>
+          <a:chOff x="0" y="0"/>
+          <a:chExt cx="0" cy="0"/>
+        </a:xfrm>
+      </p:grpSpPr>
+      <p:sp>
+        <p:nvSpPr>
+          <p:cNvPr id="2" name="Slide Image Placeholder 1"/>
+          <p:cNvSpPr>
+            <a:spLocks noGrp="1" noRot="1" noChangeAspect="1"/>
+          </p:cNvSpPr>
+          <p:nvPr>
+            <p:ph type="sldImg"/>
+          </p:nvPr>
+        </p:nvSpPr>
+        <p:spPr/>
+      </p:sp>
+      <p:sp>
+        <p:nvSpPr>
+          <p:cNvPr id="3" name="Notes Placeholder 2"/>
+          <p:cNvSpPr>
+            <a:spLocks noGrp="1"/>
+          </p:cNvSpPr>
+          <p:nvPr>
+            <p:ph type="body" idx="1"/>
+          </p:nvPr>
+        </p:nvSpPr>
+        <p:spPr/>
+        <p:txBody>
+          <a:bodyPr/>
+          <a:lstStyle/>
+          <a:p>
+            <a:r>
+              <a:rPr lang="en-US" dirty="0"/>
+              <a:t>BS should be aligned sensory and motor</a:t>
+            </a:r>
+          </a:p>
+          <a:p>
+            <a:r>
+              <a:rPr lang="en-US" dirty="0"/>
+              <a:t>Do have </a:t>
+            </a:r>
+            <a:r>
+              <a:rPr lang="en-US" dirty="0" err="1"/>
+              <a:t>hypotheseis</a:t>
+            </a:r>
+            <a:r>
+              <a:rPr lang="en-US" dirty="0"/>
+              <a:t>. These nuclei do so many things and have a lot of overlap. Autonomic sensory wholistic. Integrated picture.</a:t>
+            </a:r>
+          </a:p>
+          <a:p>
+            <a:r>
+              <a:rPr lang="en-US" dirty="0"/>
+              <a:t>BOT2 only. Wanted to get a </a:t>
+            </a:r>
+            <a:r>
+              <a:rPr lang="en-US" dirty="0" err="1"/>
+              <a:t>ssense</a:t>
+            </a:r>
+            <a:r>
+              <a:rPr lang="en-US" dirty="0"/>
+              <a:t> of whether or not.</a:t>
+            </a:r>
+          </a:p>
+          <a:p>
+            <a:r>
+              <a:rPr lang="en-US" dirty="0"/>
+              <a:t>Measure at floor for non-ASD for SEQ3.0 and EASI. BOT2 pretty good range for both.</a:t>
+            </a:r>
+          </a:p>
+        </p:txBody>
+      </p:sp>
+      <p:sp>
+        <p:nvSpPr>
+          <p:cNvPr id="4" name="Slide Number Placeholder 3"/>
+          <p:cNvSpPr>
+            <a:spLocks noGrp="1"/>
+          </p:cNvSpPr>
+          <p:nvPr>
+            <p:ph type="sldNum" sz="quarter" idx="5"/>
+          </p:nvPr>
+        </p:nvSpPr>
+        <p:spPr/>
+        <p:txBody>
+          <a:bodyPr/>
+          <a:lstStyle/>
+          <a:p>
+            <a:fld id="{31E80250-701A-4557-B820-B2FCEF04B78D}" type="slidenum">
+              <a:rPr lang="en-US" smtClean="0"/>
+              <a:t>13</a:t>
+            </a:fld>
+            <a:endParaRPr lang="en-US"/>
+          </a:p>
+        </p:txBody>
+      </p:sp>
+    </p:spTree>
+    <p:extLst>
+      <p:ext uri="{BB962C8B-B14F-4D97-AF65-F5344CB8AC3E}">
+        <p14:creationId xmlns:p14="http://schemas.microsoft.com/office/powerpoint/2010/main" val="2039191850"/>
+      </p:ext>
+    </p:extLst>
+  </p:cSld>
+  <p:clrMapOvr>
+    <a:masterClrMapping/>
+  </p:clrMapOvr>
+</p:notes>
 </file>
 
 <file path=ppt/slideLayouts/slideLayout1.xml><?xml version="1.0" encoding="utf-8"?>
@@ -176,7 +766,6 @@
               <a:rPr lang="en-US"/>
               <a:t>Click to edit Master title style</a:t>
             </a:r>
-            <a:endParaRPr lang="en-US" dirty="0"/>
           </a:p>
         </p:txBody>
       </p:sp>
@@ -241,7 +830,6 @@
               <a:rPr lang="en-US"/>
               <a:t>Click to edit Master subtitle style</a:t>
             </a:r>
-            <a:endParaRPr lang="en-US" dirty="0"/>
           </a:p>
         </p:txBody>
       </p:sp>
@@ -262,7 +850,7 @@
           <a:p>
             <a:fld id="{846CE7D5-CF57-46EF-B807-FDD0502418D4}" type="datetimeFigureOut">
               <a:rPr lang="en-US" smtClean="0"/>
-              <a:t>12/7/2024</a:t>
+              <a:t>12/12/2024</a:t>
             </a:fld>
             <a:endParaRPr lang="en-US"/>
           </a:p>
@@ -359,7 +947,6 @@
               <a:rPr lang="en-US"/>
               <a:t>Click to edit Master title style</a:t>
             </a:r>
-            <a:endParaRPr lang="en-US" dirty="0"/>
           </a:p>
         </p:txBody>
       </p:sp>
@@ -411,7 +998,6 @@
               <a:rPr lang="en-US"/>
               <a:t>Fifth level</a:t>
             </a:r>
-            <a:endParaRPr lang="en-US" dirty="0"/>
           </a:p>
         </p:txBody>
       </p:sp>
@@ -432,7 +1018,7 @@
           <a:p>
             <a:fld id="{846CE7D5-CF57-46EF-B807-FDD0502418D4}" type="datetimeFigureOut">
               <a:rPr lang="en-US" smtClean="0"/>
-              <a:t>12/7/2024</a:t>
+              <a:t>12/12/2024</a:t>
             </a:fld>
             <a:endParaRPr lang="en-US"/>
           </a:p>
@@ -534,7 +1120,6 @@
               <a:rPr lang="en-US"/>
               <a:t>Click to edit Master title style</a:t>
             </a:r>
-            <a:endParaRPr lang="en-US" dirty="0"/>
           </a:p>
         </p:txBody>
       </p:sp>
@@ -591,7 +1176,6 @@
               <a:rPr lang="en-US"/>
               <a:t>Fifth level</a:t>
             </a:r>
-            <a:endParaRPr lang="en-US" dirty="0"/>
           </a:p>
         </p:txBody>
       </p:sp>
@@ -612,7 +1196,7 @@
           <a:p>
             <a:fld id="{846CE7D5-CF57-46EF-B807-FDD0502418D4}" type="datetimeFigureOut">
               <a:rPr lang="en-US" smtClean="0"/>
-              <a:t>12/7/2024</a:t>
+              <a:t>12/12/2024</a:t>
             </a:fld>
             <a:endParaRPr lang="en-US"/>
           </a:p>
@@ -709,7 +1293,6 @@
               <a:rPr lang="en-US"/>
               <a:t>Click to edit Master title style</a:t>
             </a:r>
-            <a:endParaRPr lang="en-US" dirty="0"/>
           </a:p>
         </p:txBody>
       </p:sp>
@@ -761,7 +1344,6 @@
               <a:rPr lang="en-US"/>
               <a:t>Fifth level</a:t>
             </a:r>
-            <a:endParaRPr lang="en-US" dirty="0"/>
           </a:p>
         </p:txBody>
       </p:sp>
@@ -782,7 +1364,7 @@
           <a:p>
             <a:fld id="{846CE7D5-CF57-46EF-B807-FDD0502418D4}" type="datetimeFigureOut">
               <a:rPr lang="en-US" smtClean="0"/>
-              <a:t>12/7/2024</a:t>
+              <a:t>12/12/2024</a:t>
             </a:fld>
             <a:endParaRPr lang="en-US"/>
           </a:p>
@@ -888,7 +1470,6 @@
               <a:rPr lang="en-US"/>
               <a:t>Click to edit Master title style</a:t>
             </a:r>
-            <a:endParaRPr lang="en-US" dirty="0"/>
           </a:p>
         </p:txBody>
       </p:sp>
@@ -1028,7 +1609,7 @@
           <a:p>
             <a:fld id="{846CE7D5-CF57-46EF-B807-FDD0502418D4}" type="datetimeFigureOut">
               <a:rPr lang="en-US" smtClean="0"/>
-              <a:t>12/7/2024</a:t>
+              <a:t>12/12/2024</a:t>
             </a:fld>
             <a:endParaRPr lang="en-US"/>
           </a:p>
@@ -1125,7 +1706,6 @@
               <a:rPr lang="en-US"/>
               <a:t>Click to edit Master title style</a:t>
             </a:r>
-            <a:endParaRPr lang="en-US" dirty="0"/>
           </a:p>
         </p:txBody>
       </p:sp>
@@ -1182,7 +1762,6 @@
               <a:rPr lang="en-US"/>
               <a:t>Fifth level</a:t>
             </a:r>
-            <a:endParaRPr lang="en-US" dirty="0"/>
           </a:p>
         </p:txBody>
       </p:sp>
@@ -1239,7 +1818,6 @@
               <a:rPr lang="en-US"/>
               <a:t>Fifth level</a:t>
             </a:r>
-            <a:endParaRPr lang="en-US" dirty="0"/>
           </a:p>
         </p:txBody>
       </p:sp>
@@ -1260,7 +1838,7 @@
           <a:p>
             <a:fld id="{846CE7D5-CF57-46EF-B807-FDD0502418D4}" type="datetimeFigureOut">
               <a:rPr lang="en-US" smtClean="0"/>
-              <a:t>12/7/2024</a:t>
+              <a:t>12/12/2024</a:t>
             </a:fld>
             <a:endParaRPr lang="en-US"/>
           </a:p>
@@ -1362,7 +1940,6 @@
               <a:rPr lang="en-US"/>
               <a:t>Click to edit Master title style</a:t>
             </a:r>
-            <a:endParaRPr lang="en-US" dirty="0"/>
           </a:p>
         </p:txBody>
       </p:sp>
@@ -1484,7 +2061,6 @@
               <a:rPr lang="en-US"/>
               <a:t>Fifth level</a:t>
             </a:r>
-            <a:endParaRPr lang="en-US" dirty="0"/>
           </a:p>
         </p:txBody>
       </p:sp>
@@ -1606,7 +2182,6 @@
               <a:rPr lang="en-US"/>
               <a:t>Fifth level</a:t>
             </a:r>
-            <a:endParaRPr lang="en-US" dirty="0"/>
           </a:p>
         </p:txBody>
       </p:sp>
@@ -1627,7 +2202,7 @@
           <a:p>
             <a:fld id="{846CE7D5-CF57-46EF-B807-FDD0502418D4}" type="datetimeFigureOut">
               <a:rPr lang="en-US" smtClean="0"/>
-              <a:t>12/7/2024</a:t>
+              <a:t>12/12/2024</a:t>
             </a:fld>
             <a:endParaRPr lang="en-US"/>
           </a:p>
@@ -1724,7 +2299,6 @@
               <a:rPr lang="en-US"/>
               <a:t>Click to edit Master title style</a:t>
             </a:r>
-            <a:endParaRPr lang="en-US" dirty="0"/>
           </a:p>
         </p:txBody>
       </p:sp>
@@ -1745,7 +2319,7 @@
           <a:p>
             <a:fld id="{846CE7D5-CF57-46EF-B807-FDD0502418D4}" type="datetimeFigureOut">
               <a:rPr lang="en-US" smtClean="0"/>
-              <a:t>12/7/2024</a:t>
+              <a:t>12/12/2024</a:t>
             </a:fld>
             <a:endParaRPr lang="en-US"/>
           </a:p>
@@ -1840,7 +2414,7 @@
           <a:p>
             <a:fld id="{846CE7D5-CF57-46EF-B807-FDD0502418D4}" type="datetimeFigureOut">
               <a:rPr lang="en-US" smtClean="0"/>
-              <a:t>12/7/2024</a:t>
+              <a:t>12/12/2024</a:t>
             </a:fld>
             <a:endParaRPr lang="en-US"/>
           </a:p>
@@ -1946,7 +2520,6 @@
               <a:rPr lang="en-US"/>
               <a:t>Click to edit Master title style</a:t>
             </a:r>
-            <a:endParaRPr lang="en-US" dirty="0"/>
           </a:p>
         </p:txBody>
       </p:sp>
@@ -2031,7 +2604,6 @@
               <a:rPr lang="en-US"/>
               <a:t>Fifth level</a:t>
             </a:r>
-            <a:endParaRPr lang="en-US" dirty="0"/>
           </a:p>
         </p:txBody>
       </p:sp>
@@ -2117,7 +2689,7 @@
           <a:p>
             <a:fld id="{846CE7D5-CF57-46EF-B807-FDD0502418D4}" type="datetimeFigureOut">
               <a:rPr lang="en-US" smtClean="0"/>
-              <a:t>12/7/2024</a:t>
+              <a:t>12/12/2024</a:t>
             </a:fld>
             <a:endParaRPr lang="en-US"/>
           </a:p>
@@ -2223,7 +2795,6 @@
               <a:rPr lang="en-US"/>
               <a:t>Click to edit Master title style</a:t>
             </a:r>
-            <a:endParaRPr lang="en-US" dirty="0"/>
           </a:p>
         </p:txBody>
       </p:sp>
@@ -2288,7 +2859,6 @@
               <a:rPr lang="en-US"/>
               <a:t>Click icon to add picture</a:t>
             </a:r>
-            <a:endParaRPr lang="en-US" dirty="0"/>
           </a:p>
         </p:txBody>
       </p:sp>
@@ -2374,7 +2944,7 @@
           <a:p>
             <a:fld id="{846CE7D5-CF57-46EF-B807-FDD0502418D4}" type="datetimeFigureOut">
               <a:rPr lang="en-US" smtClean="0"/>
-              <a:t>12/7/2024</a:t>
+              <a:t>12/12/2024</a:t>
             </a:fld>
             <a:endParaRPr lang="en-US"/>
           </a:p>
@@ -2486,7 +3056,6 @@
               <a:rPr lang="en-US"/>
               <a:t>Click to edit Master title style</a:t>
             </a:r>
-            <a:endParaRPr lang="en-US" dirty="0"/>
           </a:p>
         </p:txBody>
       </p:sp>
@@ -2548,7 +3117,6 @@
               <a:rPr lang="en-US"/>
               <a:t>Fifth level</a:t>
             </a:r>
-            <a:endParaRPr lang="en-US" dirty="0"/>
           </a:p>
         </p:txBody>
       </p:sp>
@@ -2587,7 +3155,7 @@
           <a:p>
             <a:fld id="{846CE7D5-CF57-46EF-B807-FDD0502418D4}" type="datetimeFigureOut">
               <a:rPr lang="en-US" smtClean="0"/>
-              <a:t>12/7/2024</a:t>
+              <a:t>12/12/2024</a:t>
             </a:fld>
             <a:endParaRPr lang="en-US"/>
           </a:p>
@@ -3015,18 +3583,18 @@
           <a:lstStyle/>
           <a:p>
             <a:r>
-              <a:rPr lang="en-US" dirty="0">
+              <a:rPr lang="en-US">
                 <a:cs typeface="Arial"/>
               </a:rPr>
               <a:t>Brainstem-nuclei wide association study (BWAS) of sensory measures </a:t>
             </a:r>
             <a:br>
-              <a:rPr lang="en-US" dirty="0">
+              <a:rPr lang="en-US">
                 <a:cs typeface="Arial"/>
               </a:rPr>
             </a:br>
             <a:r>
-              <a:rPr lang="en-US" dirty="0">
+              <a:rPr lang="en-US">
                 <a:cs typeface="Arial"/>
               </a:rPr>
               <a:t>in autism</a:t>
@@ -3056,26 +3624,38 @@
           </a:bodyPr>
           <a:lstStyle/>
           <a:p>
-            <a:endParaRPr lang="en-US" dirty="0">
+            <a:endParaRPr lang="en-US">
               <a:cs typeface="Arial"/>
             </a:endParaRPr>
           </a:p>
           <a:p>
             <a:r>
-              <a:rPr lang="en-US" dirty="0">
-                <a:cs typeface="Arial"/>
-              </a:rPr>
-              <a:t>Nagesh Adluru, BSIRG team, Brittany Travers</a:t>
-            </a:r>
-          </a:p>
-          <a:p>
-            <a:r>
-              <a:rPr lang="en-US" dirty="0">
+              <a:rPr lang="en-US">
+                <a:cs typeface="Arial"/>
+              </a:rPr>
+              <a:t>Nagesh </a:t>
+            </a:r>
+            <a:r>
+              <a:rPr lang="en-US" err="1">
+                <a:cs typeface="Arial"/>
+              </a:rPr>
+              <a:t>Adluru</a:t>
+            </a:r>
+            <a:r>
+              <a:rPr lang="en-US">
+                <a:cs typeface="Arial"/>
+              </a:rPr>
+              <a:t>, BSIRG team, Brittany Travers</a:t>
+            </a:r>
+          </a:p>
+          <a:p>
+            <a:r>
+              <a:rPr lang="en-US">
                 <a:cs typeface="Arial"/>
               </a:rPr>
               <a:t>12/11/2024</a:t>
             </a:r>
-            <a:endParaRPr lang="en-US" dirty="0"/>
+            <a:endParaRPr lang="en-US"/>
           </a:p>
         </p:txBody>
       </p:sp>
@@ -3164,6 +3744,30 @@
           <a:lstStyle/>
           <a:p>
             <a:r>
+              <a:rPr lang="en-US" dirty="0">
+                <a:cs typeface="Arial"/>
+              </a:rPr>
+              <a:t>Main effects of BOT2 across the two groups.</a:t>
+            </a:r>
+          </a:p>
+          <a:p>
+            <a:r>
+              <a:rPr lang="en-US" dirty="0">
+                <a:cs typeface="Arial"/>
+              </a:rPr>
+              <a:t>Think about LONI for EASI.</a:t>
+            </a:r>
+          </a:p>
+          <a:p>
+            <a:r>
+              <a:rPr lang="en-US" dirty="0">
+                <a:cs typeface="Arial"/>
+              </a:rPr>
+              <a:t>Include LONI for BOT2.</a:t>
+            </a:r>
+          </a:p>
+          <a:p>
+            <a:r>
               <a:rPr lang="en-US">
                 <a:cs typeface="Arial"/>
               </a:rPr>
@@ -3323,6 +3927,698 @@
 </p:sld>
 </file>
 
+<file path=ppt/slides/slide12.xml><?xml version="1.0" encoding="utf-8"?>
+<p:sld xmlns:a="http://schemas.openxmlformats.org/drawingml/2006/main" xmlns:r="http://schemas.openxmlformats.org/officeDocument/2006/relationships" xmlns:p="http://schemas.openxmlformats.org/presentationml/2006/main">
+  <p:cSld>
+    <p:spTree>
+      <p:nvGrpSpPr>
+        <p:cNvPr id="1" name=""/>
+        <p:cNvGrpSpPr/>
+        <p:nvPr/>
+      </p:nvGrpSpPr>
+      <p:grpSpPr>
+        <a:xfrm>
+          <a:off x="0" y="0"/>
+          <a:ext cx="0" cy="0"/>
+          <a:chOff x="0" y="0"/>
+          <a:chExt cx="0" cy="0"/>
+        </a:xfrm>
+      </p:grpSpPr>
+      <p:sp>
+        <p:nvSpPr>
+          <p:cNvPr id="2" name="Title 1"/>
+          <p:cNvSpPr>
+            <a:spLocks noGrp="1"/>
+          </p:cNvSpPr>
+          <p:nvPr>
+            <p:ph type="ctrTitle"/>
+          </p:nvPr>
+        </p:nvSpPr>
+        <p:spPr>
+          <a:xfrm>
+            <a:off x="88348" y="0"/>
+            <a:ext cx="12015303" cy="3708751"/>
+          </a:xfrm>
+        </p:spPr>
+        <p:txBody>
+          <a:bodyPr>
+            <a:normAutofit fontScale="90000"/>
+          </a:bodyPr>
+          <a:lstStyle/>
+          <a:p>
+            <a:r>
+              <a:rPr lang="en-US" dirty="0">
+                <a:cs typeface="Arial"/>
+              </a:rPr>
+              <a:t>Brainstem-nuclei wide association study (BWAS) of sensory measures </a:t>
+            </a:r>
+            <a:br>
+              <a:rPr lang="en-US" dirty="0">
+                <a:cs typeface="Arial"/>
+              </a:rPr>
+            </a:br>
+            <a:r>
+              <a:rPr lang="en-US" dirty="0">
+                <a:cs typeface="Arial"/>
+              </a:rPr>
+              <a:t>in autism</a:t>
+            </a:r>
+            <a:br>
+              <a:rPr lang="en-US" dirty="0">
+                <a:cs typeface="Arial"/>
+              </a:rPr>
+            </a:br>
+            <a:br>
+              <a:rPr lang="en-US" dirty="0">
+                <a:cs typeface="Arial"/>
+              </a:rPr>
+            </a:br>
+            <a:r>
+              <a:rPr lang="en-US" dirty="0">
+                <a:cs typeface="Arial"/>
+              </a:rPr>
+              <a:t>Take 2</a:t>
+            </a:r>
+          </a:p>
+        </p:txBody>
+      </p:sp>
+      <p:sp>
+        <p:nvSpPr>
+          <p:cNvPr id="3" name="Subtitle 2"/>
+          <p:cNvSpPr>
+            <a:spLocks noGrp="1"/>
+          </p:cNvSpPr>
+          <p:nvPr>
+            <p:ph type="subTitle" idx="1"/>
+          </p:nvPr>
+        </p:nvSpPr>
+        <p:spPr>
+          <a:xfrm>
+            <a:off x="1524000" y="4769956"/>
+            <a:ext cx="9144000" cy="2088044"/>
+          </a:xfrm>
+        </p:spPr>
+        <p:txBody>
+          <a:bodyPr vert="horz" lIns="91440" tIns="45720" rIns="91440" bIns="45720" rtlCol="0" anchor="t">
+            <a:normAutofit/>
+          </a:bodyPr>
+          <a:lstStyle/>
+          <a:p>
+            <a:endParaRPr lang="en-US" dirty="0">
+              <a:cs typeface="Arial"/>
+            </a:endParaRPr>
+          </a:p>
+          <a:p>
+            <a:r>
+              <a:rPr lang="en-US" dirty="0">
+                <a:cs typeface="Arial"/>
+              </a:rPr>
+              <a:t>Nagesh Adluru, BSIRG team, Brittany Travers</a:t>
+            </a:r>
+          </a:p>
+          <a:p>
+            <a:r>
+              <a:rPr lang="en-US" dirty="0">
+                <a:cs typeface="Arial"/>
+              </a:rPr>
+              <a:t>12/11/2024</a:t>
+            </a:r>
+            <a:endParaRPr lang="en-US" dirty="0"/>
+          </a:p>
+        </p:txBody>
+      </p:sp>
+    </p:spTree>
+    <p:extLst>
+      <p:ext uri="{BB962C8B-B14F-4D97-AF65-F5344CB8AC3E}">
+        <p14:creationId xmlns:p14="http://schemas.microsoft.com/office/powerpoint/2010/main" val="3675633281"/>
+      </p:ext>
+    </p:extLst>
+  </p:cSld>
+  <p:clrMapOvr>
+    <a:masterClrMapping/>
+  </p:clrMapOvr>
+</p:sld>
+</file>
+
+<file path=ppt/slides/slide13.xml><?xml version="1.0" encoding="utf-8"?>
+<p:sld xmlns:a="http://schemas.openxmlformats.org/drawingml/2006/main" xmlns:r="http://schemas.openxmlformats.org/officeDocument/2006/relationships" xmlns:p="http://schemas.openxmlformats.org/presentationml/2006/main">
+  <p:cSld>
+    <p:spTree>
+      <p:nvGrpSpPr>
+        <p:cNvPr id="1" name=""/>
+        <p:cNvGrpSpPr/>
+        <p:nvPr/>
+      </p:nvGrpSpPr>
+      <p:grpSpPr>
+        <a:xfrm>
+          <a:off x="0" y="0"/>
+          <a:ext cx="0" cy="0"/>
+          <a:chOff x="0" y="0"/>
+          <a:chExt cx="0" cy="0"/>
+        </a:xfrm>
+      </p:grpSpPr>
+      <p:sp>
+        <p:nvSpPr>
+          <p:cNvPr id="2" name="Title 1">
+            <a:extLst>
+              <a:ext uri="{FF2B5EF4-FFF2-40B4-BE49-F238E27FC236}">
+                <a16:creationId xmlns:a16="http://schemas.microsoft.com/office/drawing/2014/main" id="{BF4B4D06-3A89-6373-2565-9A59D1FC8C22}"/>
+              </a:ext>
+            </a:extLst>
+          </p:cNvPr>
+          <p:cNvSpPr>
+            <a:spLocks noGrp="1"/>
+          </p:cNvSpPr>
+          <p:nvPr>
+            <p:ph type="title"/>
+          </p:nvPr>
+        </p:nvSpPr>
+        <p:spPr/>
+        <p:txBody>
+          <a:bodyPr/>
+          <a:lstStyle/>
+          <a:p>
+            <a:r>
+              <a:rPr lang="en-US"/>
+              <a:t>Introduction</a:t>
+            </a:r>
+          </a:p>
+        </p:txBody>
+      </p:sp>
+      <p:sp>
+        <p:nvSpPr>
+          <p:cNvPr id="3" name="Content Placeholder 2">
+            <a:extLst>
+              <a:ext uri="{FF2B5EF4-FFF2-40B4-BE49-F238E27FC236}">
+                <a16:creationId xmlns:a16="http://schemas.microsoft.com/office/drawing/2014/main" id="{F95120F5-69E0-3ED7-BF70-9D817DCA8390}"/>
+              </a:ext>
+            </a:extLst>
+          </p:cNvPr>
+          <p:cNvSpPr>
+            <a:spLocks noGrp="1"/>
+          </p:cNvSpPr>
+          <p:nvPr>
+            <p:ph idx="1"/>
+          </p:nvPr>
+        </p:nvSpPr>
+        <p:spPr/>
+        <p:txBody>
+          <a:bodyPr vert="horz" lIns="91440" tIns="45720" rIns="91440" bIns="45720" rtlCol="0" anchor="t">
+            <a:normAutofit/>
+          </a:bodyPr>
+          <a:lstStyle/>
+          <a:p>
+            <a:r>
+              <a:rPr lang="en-US" dirty="0">
+                <a:cs typeface="Arial"/>
+              </a:rPr>
+              <a:t>Identify brainstem-nuclei wide linear (differential) associations of sensory measures above and beyond age, sex, and movement during imaging effects.</a:t>
+            </a:r>
+          </a:p>
+          <a:p>
+            <a:r>
+              <a:rPr lang="en-US" dirty="0">
+                <a:cs typeface="Arial"/>
+              </a:rPr>
+              <a:t>These associations can inform discover mechanistic hypotheses underlying motor functional differences that maybe present in individuals with autism.</a:t>
+            </a:r>
+          </a:p>
+          <a:p>
+            <a:r>
+              <a:rPr lang="en-US" dirty="0">
+                <a:cs typeface="Arial"/>
+              </a:rPr>
+              <a:t>Also helps </a:t>
+            </a:r>
+            <a:r>
+              <a:rPr lang="en-US">
+                <a:cs typeface="Arial"/>
+              </a:rPr>
+              <a:t>estimate the effect </a:t>
+            </a:r>
+            <a:r>
+              <a:rPr lang="en-US" dirty="0">
+                <a:cs typeface="Arial"/>
+              </a:rPr>
+              <a:t>sizes.</a:t>
+            </a:r>
+          </a:p>
+        </p:txBody>
+      </p:sp>
+    </p:spTree>
+    <p:extLst>
+      <p:ext uri="{BB962C8B-B14F-4D97-AF65-F5344CB8AC3E}">
+        <p14:creationId xmlns:p14="http://schemas.microsoft.com/office/powerpoint/2010/main" val="2242636757"/>
+      </p:ext>
+    </p:extLst>
+  </p:cSld>
+  <p:clrMapOvr>
+    <a:masterClrMapping/>
+  </p:clrMapOvr>
+</p:sld>
+</file>
+
+<file path=ppt/slides/slide14.xml><?xml version="1.0" encoding="utf-8"?>
+<p:sld xmlns:a="http://schemas.openxmlformats.org/drawingml/2006/main" xmlns:r="http://schemas.openxmlformats.org/officeDocument/2006/relationships" xmlns:p="http://schemas.openxmlformats.org/presentationml/2006/main">
+  <p:cSld>
+    <p:spTree>
+      <p:nvGrpSpPr>
+        <p:cNvPr id="1" name=""/>
+        <p:cNvGrpSpPr/>
+        <p:nvPr/>
+      </p:nvGrpSpPr>
+      <p:grpSpPr>
+        <a:xfrm>
+          <a:off x="0" y="0"/>
+          <a:ext cx="0" cy="0"/>
+          <a:chOff x="0" y="0"/>
+          <a:chExt cx="0" cy="0"/>
+        </a:xfrm>
+      </p:grpSpPr>
+      <p:sp>
+        <p:nvSpPr>
+          <p:cNvPr id="2" name="Title 1">
+            <a:extLst>
+              <a:ext uri="{FF2B5EF4-FFF2-40B4-BE49-F238E27FC236}">
+                <a16:creationId xmlns:a16="http://schemas.microsoft.com/office/drawing/2014/main" id="{CF44BB69-5A59-0607-1512-9640FF5F2F67}"/>
+              </a:ext>
+            </a:extLst>
+          </p:cNvPr>
+          <p:cNvSpPr>
+            <a:spLocks noGrp="1"/>
+          </p:cNvSpPr>
+          <p:nvPr>
+            <p:ph type="title"/>
+          </p:nvPr>
+        </p:nvSpPr>
+        <p:spPr/>
+        <p:txBody>
+          <a:bodyPr/>
+          <a:lstStyle/>
+          <a:p>
+            <a:r>
+              <a:rPr lang="en-US">
+                <a:cs typeface="Arial"/>
+              </a:rPr>
+              <a:t>Methods</a:t>
+            </a:r>
+            <a:endParaRPr lang="en-US"/>
+          </a:p>
+        </p:txBody>
+      </p:sp>
+      <p:sp>
+        <p:nvSpPr>
+          <p:cNvPr id="3" name="Content Placeholder 2">
+            <a:extLst>
+              <a:ext uri="{FF2B5EF4-FFF2-40B4-BE49-F238E27FC236}">
+                <a16:creationId xmlns:a16="http://schemas.microsoft.com/office/drawing/2014/main" id="{9154EFF1-8A44-0564-4493-0336BE5BE161}"/>
+              </a:ext>
+            </a:extLst>
+          </p:cNvPr>
+          <p:cNvSpPr>
+            <a:spLocks noGrp="1"/>
+          </p:cNvSpPr>
+          <p:nvPr>
+            <p:ph idx="1"/>
+          </p:nvPr>
+        </p:nvSpPr>
+        <p:spPr/>
+        <p:txBody>
+          <a:bodyPr vert="horz" lIns="91440" tIns="45720" rIns="91440" bIns="45720" rtlCol="0" anchor="t">
+            <a:normAutofit/>
+          </a:bodyPr>
+          <a:lstStyle/>
+          <a:p>
+            <a:r>
+              <a:rPr lang="en-US">
+                <a:cs typeface="Arial"/>
+              </a:rPr>
+              <a:t>Brainstem-nuclei were identified using BSNA and LONI atlases and characterized using microstructural imaging and morphometric (volumetric changes).</a:t>
+            </a:r>
+          </a:p>
+          <a:p>
+            <a:r>
+              <a:rPr lang="en-US">
+                <a:cs typeface="Arial"/>
+              </a:rPr>
+              <a:t>Sensory measures were characterized using SEQ3.0, EASI, BOT2 instruments.</a:t>
+            </a:r>
+          </a:p>
+          <a:p>
+            <a:r>
+              <a:rPr lang="en-US">
+                <a:cs typeface="Arial"/>
+              </a:rPr>
+              <a:t>Trend level (uncorrected p≤0.05) and significant level (FDR corrected* p≤0.05) associations were identified.</a:t>
+            </a:r>
+          </a:p>
+          <a:p>
+            <a:r>
+              <a:rPr lang="en-US">
+                <a:cs typeface="Arial"/>
+              </a:rPr>
+              <a:t>Individual level data were visualized for the identified associations.</a:t>
+            </a:r>
+          </a:p>
+        </p:txBody>
+      </p:sp>
+      <p:sp>
+        <p:nvSpPr>
+          <p:cNvPr id="4" name="TextBox 3">
+            <a:extLst>
+              <a:ext uri="{FF2B5EF4-FFF2-40B4-BE49-F238E27FC236}">
+                <a16:creationId xmlns:a16="http://schemas.microsoft.com/office/drawing/2014/main" id="{E6F93491-7D87-052C-604F-3A27A988D195}"/>
+              </a:ext>
+            </a:extLst>
+          </p:cNvPr>
+          <p:cNvSpPr txBox="1"/>
+          <p:nvPr/>
+        </p:nvSpPr>
+        <p:spPr>
+          <a:xfrm>
+            <a:off x="5522" y="6482522"/>
+            <a:ext cx="12185371" cy="369332"/>
+          </a:xfrm>
+          <a:prstGeom prst="rect">
+            <a:avLst/>
+          </a:prstGeom>
+          <a:noFill/>
+        </p:spPr>
+        <p:txBody>
+          <a:bodyPr rot="0" spcFirstLastPara="0" vertOverflow="overflow" horzOverflow="overflow" vert="horz" wrap="square" lIns="91440" tIns="45720" rIns="91440" bIns="45720" numCol="1" spcCol="0" rtlCol="0" fromWordArt="0" anchor="t" anchorCtr="0" forceAA="0" compatLnSpc="1">
+            <a:prstTxWarp prst="textNoShape">
+              <a:avLst/>
+            </a:prstTxWarp>
+            <a:spAutoFit/>
+          </a:bodyPr>
+          <a:lstStyle/>
+          <a:p>
+            <a:r>
+              <a:rPr lang="en-US" dirty="0">
+                <a:cs typeface="Arial"/>
+              </a:rPr>
+              <a:t>* Correction was performed per microstructural, morphometric, </a:t>
+            </a:r>
+            <a:r>
+              <a:rPr lang="en-US" b="1" dirty="0">
+                <a:cs typeface="Arial"/>
+              </a:rPr>
+              <a:t>atlas</a:t>
+            </a:r>
+            <a:r>
+              <a:rPr lang="en-US" dirty="0">
+                <a:cs typeface="Arial"/>
+              </a:rPr>
+              <a:t>, and sensory measure across the different nuclei.</a:t>
+            </a:r>
+          </a:p>
+        </p:txBody>
+      </p:sp>
+    </p:spTree>
+    <p:extLst>
+      <p:ext uri="{BB962C8B-B14F-4D97-AF65-F5344CB8AC3E}">
+        <p14:creationId xmlns:p14="http://schemas.microsoft.com/office/powerpoint/2010/main" val="498175543"/>
+      </p:ext>
+    </p:extLst>
+  </p:cSld>
+  <p:clrMapOvr>
+    <a:masterClrMapping/>
+  </p:clrMapOvr>
+</p:sld>
+</file>
+
+<file path=ppt/slides/slide15.xml><?xml version="1.0" encoding="utf-8"?>
+<p:sld xmlns:a="http://schemas.openxmlformats.org/drawingml/2006/main" xmlns:r="http://schemas.openxmlformats.org/officeDocument/2006/relationships" xmlns:p="http://schemas.openxmlformats.org/presentationml/2006/main">
+  <p:cSld>
+    <p:spTree>
+      <p:nvGrpSpPr>
+        <p:cNvPr id="1" name=""/>
+        <p:cNvGrpSpPr/>
+        <p:nvPr/>
+      </p:nvGrpSpPr>
+      <p:grpSpPr>
+        <a:xfrm>
+          <a:off x="0" y="0"/>
+          <a:ext cx="0" cy="0"/>
+          <a:chOff x="0" y="0"/>
+          <a:chExt cx="0" cy="0"/>
+        </a:xfrm>
+      </p:grpSpPr>
+      <p:sp>
+        <p:nvSpPr>
+          <p:cNvPr id="2" name="Title 1">
+            <a:extLst>
+              <a:ext uri="{FF2B5EF4-FFF2-40B4-BE49-F238E27FC236}">
+                <a16:creationId xmlns:a16="http://schemas.microsoft.com/office/drawing/2014/main" id="{3EAC6E75-4408-7727-E430-B70F59160560}"/>
+              </a:ext>
+            </a:extLst>
+          </p:cNvPr>
+          <p:cNvSpPr>
+            <a:spLocks noGrp="1"/>
+          </p:cNvSpPr>
+          <p:nvPr>
+            <p:ph type="title"/>
+          </p:nvPr>
+        </p:nvSpPr>
+        <p:spPr/>
+        <p:txBody>
+          <a:bodyPr/>
+          <a:lstStyle/>
+          <a:p>
+            <a:r>
+              <a:rPr lang="en-US">
+                <a:cs typeface="Arial"/>
+              </a:rPr>
+              <a:t>Results</a:t>
+            </a:r>
+            <a:endParaRPr lang="en-US"/>
+          </a:p>
+        </p:txBody>
+      </p:sp>
+      <p:pic>
+        <p:nvPicPr>
+          <p:cNvPr id="4" name="Content Placeholder 3">
+            <a:extLst>
+              <a:ext uri="{FF2B5EF4-FFF2-40B4-BE49-F238E27FC236}">
+                <a16:creationId xmlns:a16="http://schemas.microsoft.com/office/drawing/2014/main" id="{3B2527CC-6C44-5020-E1D9-CB68D7F89634}"/>
+              </a:ext>
+            </a:extLst>
+          </p:cNvPr>
+          <p:cNvPicPr>
+            <a:picLocks noGrp="1" noChangeAspect="1"/>
+          </p:cNvPicPr>
+          <p:nvPr>
+            <p:ph idx="1"/>
+          </p:nvPr>
+        </p:nvPicPr>
+        <p:blipFill>
+          <a:blip r:embed="rId2">
+            <a:extLst>
+              <a:ext uri="{28A0092B-C50C-407E-A947-70E740481C1C}">
+                <a14:useLocalDpi xmlns:a14="http://schemas.microsoft.com/office/drawing/2010/main" val="0"/>
+              </a:ext>
+            </a:extLst>
+          </a:blip>
+          <a:srcRect/>
+          <a:stretch/>
+        </p:blipFill>
+        <p:spPr>
+          <a:xfrm>
+            <a:off x="1541859" y="2595357"/>
+            <a:ext cx="9101708" cy="3832666"/>
+          </a:xfrm>
+        </p:spPr>
+      </p:pic>
+      <p:sp>
+        <p:nvSpPr>
+          <p:cNvPr id="3" name="TextBox 2">
+            <a:extLst>
+              <a:ext uri="{FF2B5EF4-FFF2-40B4-BE49-F238E27FC236}">
+                <a16:creationId xmlns:a16="http://schemas.microsoft.com/office/drawing/2014/main" id="{9798247D-492E-825F-3A13-ACC524A0701C}"/>
+              </a:ext>
+            </a:extLst>
+          </p:cNvPr>
+          <p:cNvSpPr txBox="1"/>
+          <p:nvPr/>
+        </p:nvSpPr>
+        <p:spPr>
+          <a:xfrm>
+            <a:off x="2678906" y="1964906"/>
+            <a:ext cx="6838049" cy="461665"/>
+          </a:xfrm>
+          <a:prstGeom prst="rect">
+            <a:avLst/>
+          </a:prstGeom>
+          <a:noFill/>
+        </p:spPr>
+        <p:txBody>
+          <a:bodyPr rot="0" spcFirstLastPara="0" vertOverflow="overflow" horzOverflow="overflow" vert="horz" wrap="square" lIns="91440" tIns="45720" rIns="91440" bIns="45720" numCol="1" spcCol="0" rtlCol="0" fromWordArt="0" anchor="t" anchorCtr="0" forceAA="0" compatLnSpc="1">
+            <a:prstTxWarp prst="textNoShape">
+              <a:avLst/>
+            </a:prstTxWarp>
+            <a:spAutoFit/>
+          </a:bodyPr>
+          <a:lstStyle/>
+          <a:p>
+            <a:r>
+              <a:rPr lang="en-US" sz="2400">
+                <a:cs typeface="Arial"/>
+              </a:rPr>
+              <a:t>BWAS (SEQ 3.0) summary view significant level</a:t>
+            </a:r>
+            <a:endParaRPr lang="en-US" sz="2400"/>
+          </a:p>
+        </p:txBody>
+      </p:sp>
+    </p:spTree>
+    <p:extLst>
+      <p:ext uri="{BB962C8B-B14F-4D97-AF65-F5344CB8AC3E}">
+        <p14:creationId xmlns:p14="http://schemas.microsoft.com/office/powerpoint/2010/main" val="3483950310"/>
+      </p:ext>
+    </p:extLst>
+  </p:cSld>
+  <p:clrMapOvr>
+    <a:masterClrMapping/>
+  </p:clrMapOvr>
+</p:sld>
+</file>
+
+<file path=ppt/slides/slide16.xml><?xml version="1.0" encoding="utf-8"?>
+<p:sld xmlns:a="http://schemas.openxmlformats.org/drawingml/2006/main" xmlns:r="http://schemas.openxmlformats.org/officeDocument/2006/relationships" xmlns:p="http://schemas.openxmlformats.org/presentationml/2006/main">
+  <p:cSld>
+    <p:spTree>
+      <p:nvGrpSpPr>
+        <p:cNvPr id="1" name=""/>
+        <p:cNvGrpSpPr/>
+        <p:nvPr/>
+      </p:nvGrpSpPr>
+      <p:grpSpPr>
+        <a:xfrm>
+          <a:off x="0" y="0"/>
+          <a:ext cx="0" cy="0"/>
+          <a:chOff x="0" y="0"/>
+          <a:chExt cx="0" cy="0"/>
+        </a:xfrm>
+      </p:grpSpPr>
+      <p:sp>
+        <p:nvSpPr>
+          <p:cNvPr id="2" name="Title 1">
+            <a:extLst>
+              <a:ext uri="{FF2B5EF4-FFF2-40B4-BE49-F238E27FC236}">
+                <a16:creationId xmlns:a16="http://schemas.microsoft.com/office/drawing/2014/main" id="{3EAC6E75-4408-7727-E430-B70F59160560}"/>
+              </a:ext>
+            </a:extLst>
+          </p:cNvPr>
+          <p:cNvSpPr>
+            <a:spLocks noGrp="1"/>
+          </p:cNvSpPr>
+          <p:nvPr>
+            <p:ph type="title"/>
+          </p:nvPr>
+        </p:nvSpPr>
+        <p:spPr/>
+        <p:txBody>
+          <a:bodyPr/>
+          <a:lstStyle/>
+          <a:p>
+            <a:r>
+              <a:rPr lang="en-US">
+                <a:cs typeface="Arial"/>
+              </a:rPr>
+              <a:t>Results</a:t>
+            </a:r>
+            <a:endParaRPr lang="en-US"/>
+          </a:p>
+        </p:txBody>
+      </p:sp>
+      <p:pic>
+        <p:nvPicPr>
+          <p:cNvPr id="4" name="Content Placeholder 3">
+            <a:extLst>
+              <a:ext uri="{FF2B5EF4-FFF2-40B4-BE49-F238E27FC236}">
+                <a16:creationId xmlns:a16="http://schemas.microsoft.com/office/drawing/2014/main" id="{3B2527CC-6C44-5020-E1D9-CB68D7F89634}"/>
+              </a:ext>
+            </a:extLst>
+          </p:cNvPr>
+          <p:cNvPicPr>
+            <a:picLocks noGrp="1" noChangeAspect="1"/>
+          </p:cNvPicPr>
+          <p:nvPr>
+            <p:ph idx="1"/>
+          </p:nvPr>
+        </p:nvPicPr>
+        <p:blipFill>
+          <a:blip r:embed="rId2">
+            <a:extLst>
+              <a:ext uri="{28A0092B-C50C-407E-A947-70E740481C1C}">
+                <a14:useLocalDpi xmlns:a14="http://schemas.microsoft.com/office/drawing/2010/main" val="0"/>
+              </a:ext>
+            </a:extLst>
+          </a:blip>
+          <a:srcRect/>
+          <a:stretch/>
+        </p:blipFill>
+        <p:spPr>
+          <a:xfrm>
+            <a:off x="1545566" y="2595356"/>
+            <a:ext cx="9101708" cy="3832666"/>
+          </a:xfrm>
+        </p:spPr>
+      </p:pic>
+      <p:sp>
+        <p:nvSpPr>
+          <p:cNvPr id="3" name="TextBox 2">
+            <a:extLst>
+              <a:ext uri="{FF2B5EF4-FFF2-40B4-BE49-F238E27FC236}">
+                <a16:creationId xmlns:a16="http://schemas.microsoft.com/office/drawing/2014/main" id="{9798247D-492E-825F-3A13-ACC524A0701C}"/>
+              </a:ext>
+            </a:extLst>
+          </p:cNvPr>
+          <p:cNvSpPr txBox="1"/>
+          <p:nvPr/>
+        </p:nvSpPr>
+        <p:spPr>
+          <a:xfrm>
+            <a:off x="3019245" y="1964906"/>
+            <a:ext cx="6159393" cy="461665"/>
+          </a:xfrm>
+          <a:prstGeom prst="rect">
+            <a:avLst/>
+          </a:prstGeom>
+          <a:noFill/>
+        </p:spPr>
+        <p:txBody>
+          <a:bodyPr rot="0" spcFirstLastPara="0" vertOverflow="overflow" horzOverflow="overflow" vert="horz" wrap="square" lIns="91440" tIns="45720" rIns="91440" bIns="45720" numCol="1" spcCol="0" rtlCol="0" fromWordArt="0" anchor="t" anchorCtr="0" forceAA="0" compatLnSpc="1">
+            <a:prstTxWarp prst="textNoShape">
+              <a:avLst/>
+            </a:prstTxWarp>
+            <a:spAutoFit/>
+          </a:bodyPr>
+          <a:lstStyle/>
+          <a:p>
+            <a:r>
+              <a:rPr lang="en-US" sz="2400">
+                <a:cs typeface="Arial"/>
+              </a:rPr>
+              <a:t>BWAS (SEQ 3.0) summary view trend level</a:t>
+            </a:r>
+            <a:endParaRPr lang="en-US" sz="2400"/>
+          </a:p>
+        </p:txBody>
+      </p:sp>
+    </p:spTree>
+    <p:extLst>
+      <p:ext uri="{BB962C8B-B14F-4D97-AF65-F5344CB8AC3E}">
+        <p14:creationId xmlns:p14="http://schemas.microsoft.com/office/powerpoint/2010/main" val="2719772467"/>
+      </p:ext>
+    </p:extLst>
+  </p:cSld>
+  <p:clrMapOvr>
+    <a:masterClrMapping/>
+  </p:clrMapOvr>
+</p:sld>
+</file>
+
 <file path=ppt/slides/slide2.xml><?xml version="1.0" encoding="utf-8"?>
 <p:sld xmlns:a="http://schemas.openxmlformats.org/drawingml/2006/main" xmlns:r="http://schemas.openxmlformats.org/officeDocument/2006/relationships" xmlns:p="http://schemas.openxmlformats.org/presentationml/2006/main">
   <p:cSld>
@@ -3362,7 +4658,7 @@
           <a:lstStyle/>
           <a:p>
             <a:r>
-              <a:rPr lang="en-US" dirty="0"/>
+              <a:rPr lang="en-US"/>
               <a:t>Introduction</a:t>
             </a:r>
           </a:p>
@@ -3392,7 +4688,7 @@
           <a:lstStyle/>
           <a:p>
             <a:r>
-              <a:rPr lang="en-US" dirty="0">
+              <a:rPr lang="en-US">
                 <a:cs typeface="Arial"/>
               </a:rPr>
               <a:t>Identify brainstem-nuclei wide linear (differential) associations of sensory measures above and beyond age, sex, and movement during imaging effects.</a:t>
@@ -3400,7 +4696,7 @@
           </a:p>
           <a:p>
             <a:r>
-              <a:rPr lang="en-US" dirty="0">
+              <a:rPr lang="en-US">
                 <a:cs typeface="Arial"/>
               </a:rPr>
               <a:t>These associations can inform discover mechanistic hypotheses underlying motor functional differences that maybe present in individuals with autism.</a:t>
@@ -3493,7 +4789,7 @@
           <a:lstStyle/>
           <a:p>
             <a:r>
-              <a:rPr lang="en-US" dirty="0">
+              <a:rPr lang="en-US">
                 <a:cs typeface="Arial"/>
               </a:rPr>
               <a:t>Brainstem-nuclei were identified using BSNA and LONI atlases and characterized using microstructural imaging and morphometric (volumetric changes).</a:t>
@@ -3501,7 +4797,7 @@
           </a:p>
           <a:p>
             <a:r>
-              <a:rPr lang="en-US" dirty="0">
+              <a:rPr lang="en-US">
                 <a:cs typeface="Arial"/>
               </a:rPr>
               <a:t>Sensory measures were characterized using SEQ3.0, EASI, BOT2 instruments.</a:t>
@@ -3509,7 +4805,7 @@
           </a:p>
           <a:p>
             <a:r>
-              <a:rPr lang="en-US" dirty="0">
+              <a:rPr lang="en-US">
                 <a:cs typeface="Arial"/>
               </a:rPr>
               <a:t>Trend level (uncorrected p≤0.05) and significant level (FDR corrected* p≤0.05) associations were identified.</a:t>
@@ -3517,7 +4813,7 @@
           </a:p>
           <a:p>
             <a:r>
-              <a:rPr lang="en-US" dirty="0">
+              <a:rPr lang="en-US">
                 <a:cs typeface="Arial"/>
               </a:rPr>
               <a:t>Individual level data were visualized for the identified associations.</a:t>
@@ -3557,7 +4853,7 @@
           <a:lstStyle/>
           <a:p>
             <a:r>
-              <a:rPr lang="en-US" dirty="0">
+              <a:rPr lang="en-US">
                 <a:cs typeface="Arial"/>
               </a:rPr>
               <a:t>* Correction was performed per microstructural and morphometric and sensory measure across the different nuclei.</a:t>
@@ -3918,23 +5214,7 @@
           <a:p>
             <a:r>
               <a:rPr lang="en-US" dirty="0"/>
-              <a:t>BWAS </a:t>
-            </a:r>
-            <a:r>
-              <a:rPr lang="en-US"/>
-              <a:t>(</a:t>
-            </a:r>
-            <a:r>
-              <a:rPr lang="en-US" dirty="0"/>
-              <a:t>EASI</a:t>
-            </a:r>
-            <a:r>
-              <a:rPr lang="en-US"/>
-              <a:t>)</a:t>
-            </a:r>
-            <a:r>
-              <a:rPr lang="en-US" dirty="0"/>
-              <a:t> summary view</a:t>
+              <a:t>BWAS (EASI) summary view</a:t>
             </a:r>
           </a:p>
           <a:p>
@@ -3944,11 +5224,11 @@
             </a:pPr>
             <a:r>
               <a:rPr lang="en-US" dirty="0">
-                <a:hlinkClick r:id="rId2" action="ppaction://hlinkfile"/>
+                <a:hlinkClick r:id="rId2"/>
               </a:rPr>
               <a:t>significant level</a:t>
             </a:r>
-            <a:endParaRPr lang="en-US">
+            <a:endParaRPr lang="en-US" dirty="0">
               <a:cs typeface="Arial"/>
             </a:endParaRPr>
           </a:p>
@@ -3959,11 +5239,11 @@
             </a:pPr>
             <a:r>
               <a:rPr lang="en-US" dirty="0">
-                <a:hlinkClick r:id="rId3" action="ppaction://hlinkfile"/>
+                <a:hlinkClick r:id="rId3"/>
               </a:rPr>
               <a:t>trend level</a:t>
             </a:r>
-            <a:endParaRPr lang="en-US">
+            <a:endParaRPr lang="en-US" dirty="0">
               <a:cs typeface="Arial"/>
             </a:endParaRPr>
           </a:p>
@@ -4180,7 +5460,7 @@
           <a:lstStyle/>
           <a:p>
             <a:r>
-              <a:rPr lang="en-US" dirty="0">
+              <a:rPr lang="en-US">
                 <a:cs typeface="Arial"/>
               </a:rPr>
               <a:t>Individual level (nuclei)</a:t>
@@ -4192,7 +5472,7 @@
               <a:buChar char="o"/>
             </a:pPr>
             <a:r>
-              <a:rPr lang="en-US" dirty="0">
+              <a:rPr lang="en-US">
                 <a:cs typeface="Arial"/>
                 <a:hlinkClick r:id="rId2"/>
               </a:rPr>
@@ -4205,7 +5485,7 @@
               <a:buChar char="o"/>
             </a:pPr>
             <a:r>
-              <a:rPr lang="en-US" dirty="0">
+              <a:rPr lang="en-US">
                 <a:cs typeface="Arial"/>
                 <a:hlinkClick r:id="rId3"/>
               </a:rPr>
@@ -4218,7 +5498,7 @@
               <a:buChar char="o"/>
             </a:pPr>
             <a:r>
-              <a:rPr lang="en-US" dirty="0">
+              <a:rPr lang="en-US">
                 <a:cs typeface="Arial"/>
                 <a:hlinkClick r:id="rId4"/>
               </a:rPr>
@@ -4667,16 +5947,302 @@
 </a:theme>
 </file>
 
-<file path=customXml/item1.xml><?xml version="1.0" encoding="utf-8"?>
-<?mso-contentType ?>
-<FormTemplates xmlns="http://schemas.microsoft.com/sharepoint/v3/contenttype/forms">
-  <Display>DocumentLibraryForm</Display>
-  <Edit>DocumentLibraryForm</Edit>
-  <New>DocumentLibraryForm</New>
-</FormTemplates>
+<file path=ppt/theme/theme2.xml><?xml version="1.0" encoding="utf-8"?>
+<a:theme xmlns:a="http://schemas.openxmlformats.org/drawingml/2006/main" name="Office Theme">
+  <a:themeElements>
+    <a:clrScheme name="Office">
+      <a:dk1>
+        <a:sysClr val="windowText" lastClr="000000"/>
+      </a:dk1>
+      <a:lt1>
+        <a:sysClr val="window" lastClr="FFFFFF"/>
+      </a:lt1>
+      <a:dk2>
+        <a:srgbClr val="44546A"/>
+      </a:dk2>
+      <a:lt2>
+        <a:srgbClr val="E7E6E6"/>
+      </a:lt2>
+      <a:accent1>
+        <a:srgbClr val="4472C4"/>
+      </a:accent1>
+      <a:accent2>
+        <a:srgbClr val="ED7D31"/>
+      </a:accent2>
+      <a:accent3>
+        <a:srgbClr val="A5A5A5"/>
+      </a:accent3>
+      <a:accent4>
+        <a:srgbClr val="FFC000"/>
+      </a:accent4>
+      <a:accent5>
+        <a:srgbClr val="5B9BD5"/>
+      </a:accent5>
+      <a:accent6>
+        <a:srgbClr val="70AD47"/>
+      </a:accent6>
+      <a:hlink>
+        <a:srgbClr val="0563C1"/>
+      </a:hlink>
+      <a:folHlink>
+        <a:srgbClr val="954F72"/>
+      </a:folHlink>
+    </a:clrScheme>
+    <a:fontScheme name="Office">
+      <a:majorFont>
+        <a:latin typeface="Calibri Light" panose="020F0302020204030204"/>
+        <a:ea typeface=""/>
+        <a:cs typeface=""/>
+        <a:font script="Jpan" typeface="游ゴシック Light"/>
+        <a:font script="Hang" typeface="맑은 고딕"/>
+        <a:font script="Hans" typeface="等线 Light"/>
+        <a:font script="Hant" typeface="新細明體"/>
+        <a:font script="Arab" typeface="Times New Roman"/>
+        <a:font script="Hebr" typeface="Times New Roman"/>
+        <a:font script="Thai" typeface="Angsana New"/>
+        <a:font script="Ethi" typeface="Nyala"/>
+        <a:font script="Beng" typeface="Vrinda"/>
+        <a:font script="Gujr" typeface="Shruti"/>
+        <a:font script="Khmr" typeface="MoolBoran"/>
+        <a:font script="Knda" typeface="Tunga"/>
+        <a:font script="Guru" typeface="Raavi"/>
+        <a:font script="Cans" typeface="Euphemia"/>
+        <a:font script="Cher" typeface="Plantagenet Cherokee"/>
+        <a:font script="Yiii" typeface="Microsoft Yi Baiti"/>
+        <a:font script="Tibt" typeface="Microsoft Himalaya"/>
+        <a:font script="Thaa" typeface="MV Boli"/>
+        <a:font script="Deva" typeface="Mangal"/>
+        <a:font script="Telu" typeface="Gautami"/>
+        <a:font script="Taml" typeface="Latha"/>
+        <a:font script="Syrc" typeface="Estrangelo Edessa"/>
+        <a:font script="Orya" typeface="Kalinga"/>
+        <a:font script="Mlym" typeface="Kartika"/>
+        <a:font script="Laoo" typeface="DokChampa"/>
+        <a:font script="Sinh" typeface="Iskoola Pota"/>
+        <a:font script="Mong" typeface="Mongolian Baiti"/>
+        <a:font script="Viet" typeface="Times New Roman"/>
+        <a:font script="Uigh" typeface="Microsoft Uighur"/>
+        <a:font script="Geor" typeface="Sylfaen"/>
+        <a:font script="Armn" typeface="Arial"/>
+        <a:font script="Bugi" typeface="Leelawadee UI"/>
+        <a:font script="Bopo" typeface="Microsoft JhengHei"/>
+        <a:font script="Java" typeface="Javanese Text"/>
+        <a:font script="Lisu" typeface="Segoe UI"/>
+        <a:font script="Mymr" typeface="Myanmar Text"/>
+        <a:font script="Nkoo" typeface="Ebrima"/>
+        <a:font script="Olck" typeface="Nirmala UI"/>
+        <a:font script="Osma" typeface="Ebrima"/>
+        <a:font script="Phag" typeface="Phagspa"/>
+        <a:font script="Syrn" typeface="Estrangelo Edessa"/>
+        <a:font script="Syrj" typeface="Estrangelo Edessa"/>
+        <a:font script="Syre" typeface="Estrangelo Edessa"/>
+        <a:font script="Sora" typeface="Nirmala UI"/>
+        <a:font script="Tale" typeface="Microsoft Tai Le"/>
+        <a:font script="Talu" typeface="Microsoft New Tai Lue"/>
+        <a:font script="Tfng" typeface="Ebrima"/>
+      </a:majorFont>
+      <a:minorFont>
+        <a:latin typeface="Calibri" panose="020F0502020204030204"/>
+        <a:ea typeface=""/>
+        <a:cs typeface=""/>
+        <a:font script="Jpan" typeface="游ゴシック"/>
+        <a:font script="Hang" typeface="맑은 고딕"/>
+        <a:font script="Hans" typeface="等线"/>
+        <a:font script="Hant" typeface="新細明體"/>
+        <a:font script="Arab" typeface="Arial"/>
+        <a:font script="Hebr" typeface="Arial"/>
+        <a:font script="Thai" typeface="Cordia New"/>
+        <a:font script="Ethi" typeface="Nyala"/>
+        <a:font script="Beng" typeface="Vrinda"/>
+        <a:font script="Gujr" typeface="Shruti"/>
+        <a:font script="Khmr" typeface="DaunPenh"/>
+        <a:font script="Knda" typeface="Tunga"/>
+        <a:font script="Guru" typeface="Raavi"/>
+        <a:font script="Cans" typeface="Euphemia"/>
+        <a:font script="Cher" typeface="Plantagenet Cherokee"/>
+        <a:font script="Yiii" typeface="Microsoft Yi Baiti"/>
+        <a:font script="Tibt" typeface="Microsoft Himalaya"/>
+        <a:font script="Thaa" typeface="MV Boli"/>
+        <a:font script="Deva" typeface="Mangal"/>
+        <a:font script="Telu" typeface="Gautami"/>
+        <a:font script="Taml" typeface="Latha"/>
+        <a:font script="Syrc" typeface="Estrangelo Edessa"/>
+        <a:font script="Orya" typeface="Kalinga"/>
+        <a:font script="Mlym" typeface="Kartika"/>
+        <a:font script="Laoo" typeface="DokChampa"/>
+        <a:font script="Sinh" typeface="Iskoola Pota"/>
+        <a:font script="Mong" typeface="Mongolian Baiti"/>
+        <a:font script="Viet" typeface="Arial"/>
+        <a:font script="Uigh" typeface="Microsoft Uighur"/>
+        <a:font script="Geor" typeface="Sylfaen"/>
+        <a:font script="Armn" typeface="Arial"/>
+        <a:font script="Bugi" typeface="Leelawadee UI"/>
+        <a:font script="Bopo" typeface="Microsoft JhengHei"/>
+        <a:font script="Java" typeface="Javanese Text"/>
+        <a:font script="Lisu" typeface="Segoe UI"/>
+        <a:font script="Mymr" typeface="Myanmar Text"/>
+        <a:font script="Nkoo" typeface="Ebrima"/>
+        <a:font script="Olck" typeface="Nirmala UI"/>
+        <a:font script="Osma" typeface="Ebrima"/>
+        <a:font script="Phag" typeface="Phagspa"/>
+        <a:font script="Syrn" typeface="Estrangelo Edessa"/>
+        <a:font script="Syrj" typeface="Estrangelo Edessa"/>
+        <a:font script="Syre" typeface="Estrangelo Edessa"/>
+        <a:font script="Sora" typeface="Nirmala UI"/>
+        <a:font script="Tale" typeface="Microsoft Tai Le"/>
+        <a:font script="Talu" typeface="Microsoft New Tai Lue"/>
+        <a:font script="Tfng" typeface="Ebrima"/>
+      </a:minorFont>
+    </a:fontScheme>
+    <a:fmtScheme name="Office">
+      <a:fillStyleLst>
+        <a:solidFill>
+          <a:schemeClr val="phClr"/>
+        </a:solidFill>
+        <a:gradFill rotWithShape="1">
+          <a:gsLst>
+            <a:gs pos="0">
+              <a:schemeClr val="phClr">
+                <a:lumMod val="110000"/>
+                <a:satMod val="105000"/>
+                <a:tint val="67000"/>
+              </a:schemeClr>
+            </a:gs>
+            <a:gs pos="50000">
+              <a:schemeClr val="phClr">
+                <a:lumMod val="105000"/>
+                <a:satMod val="103000"/>
+                <a:tint val="73000"/>
+              </a:schemeClr>
+            </a:gs>
+            <a:gs pos="100000">
+              <a:schemeClr val="phClr">
+                <a:lumMod val="105000"/>
+                <a:satMod val="109000"/>
+                <a:tint val="81000"/>
+              </a:schemeClr>
+            </a:gs>
+          </a:gsLst>
+          <a:lin ang="5400000" scaled="0"/>
+        </a:gradFill>
+        <a:gradFill rotWithShape="1">
+          <a:gsLst>
+            <a:gs pos="0">
+              <a:schemeClr val="phClr">
+                <a:satMod val="103000"/>
+                <a:lumMod val="102000"/>
+                <a:tint val="94000"/>
+              </a:schemeClr>
+            </a:gs>
+            <a:gs pos="50000">
+              <a:schemeClr val="phClr">
+                <a:satMod val="110000"/>
+                <a:lumMod val="100000"/>
+                <a:shade val="100000"/>
+              </a:schemeClr>
+            </a:gs>
+            <a:gs pos="100000">
+              <a:schemeClr val="phClr">
+                <a:lumMod val="99000"/>
+                <a:satMod val="120000"/>
+                <a:shade val="78000"/>
+              </a:schemeClr>
+            </a:gs>
+          </a:gsLst>
+          <a:lin ang="5400000" scaled="0"/>
+        </a:gradFill>
+      </a:fillStyleLst>
+      <a:lnStyleLst>
+        <a:ln w="6350" cap="flat" cmpd="sng" algn="ctr">
+          <a:solidFill>
+            <a:schemeClr val="phClr"/>
+          </a:solidFill>
+          <a:prstDash val="solid"/>
+          <a:miter lim="800000"/>
+        </a:ln>
+        <a:ln w="12700" cap="flat" cmpd="sng" algn="ctr">
+          <a:solidFill>
+            <a:schemeClr val="phClr"/>
+          </a:solidFill>
+          <a:prstDash val="solid"/>
+          <a:miter lim="800000"/>
+        </a:ln>
+        <a:ln w="19050" cap="flat" cmpd="sng" algn="ctr">
+          <a:solidFill>
+            <a:schemeClr val="phClr"/>
+          </a:solidFill>
+          <a:prstDash val="solid"/>
+          <a:miter lim="800000"/>
+        </a:ln>
+      </a:lnStyleLst>
+      <a:effectStyleLst>
+        <a:effectStyle>
+          <a:effectLst/>
+        </a:effectStyle>
+        <a:effectStyle>
+          <a:effectLst/>
+        </a:effectStyle>
+        <a:effectStyle>
+          <a:effectLst>
+            <a:outerShdw blurRad="57150" dist="19050" dir="5400000" algn="ctr" rotWithShape="0">
+              <a:srgbClr val="000000">
+                <a:alpha val="63000"/>
+              </a:srgbClr>
+            </a:outerShdw>
+          </a:effectLst>
+        </a:effectStyle>
+      </a:effectStyleLst>
+      <a:bgFillStyleLst>
+        <a:solidFill>
+          <a:schemeClr val="phClr"/>
+        </a:solidFill>
+        <a:solidFill>
+          <a:schemeClr val="phClr">
+            <a:tint val="95000"/>
+            <a:satMod val="170000"/>
+          </a:schemeClr>
+        </a:solidFill>
+        <a:gradFill rotWithShape="1">
+          <a:gsLst>
+            <a:gs pos="0">
+              <a:schemeClr val="phClr">
+                <a:tint val="93000"/>
+                <a:satMod val="150000"/>
+                <a:shade val="98000"/>
+                <a:lumMod val="102000"/>
+              </a:schemeClr>
+            </a:gs>
+            <a:gs pos="50000">
+              <a:schemeClr val="phClr">
+                <a:tint val="98000"/>
+                <a:satMod val="130000"/>
+                <a:shade val="90000"/>
+                <a:lumMod val="103000"/>
+              </a:schemeClr>
+            </a:gs>
+            <a:gs pos="100000">
+              <a:schemeClr val="phClr">
+                <a:shade val="63000"/>
+                <a:satMod val="120000"/>
+              </a:schemeClr>
+            </a:gs>
+          </a:gsLst>
+          <a:lin ang="5400000" scaled="0"/>
+        </a:gradFill>
+      </a:bgFillStyleLst>
+    </a:fmtScheme>
+  </a:themeElements>
+  <a:objectDefaults/>
+  <a:extraClrSchemeLst/>
+  <a:extLst>
+    <a:ext uri="{05A4C25C-085E-4340-85A3-A5531E510DB2}">
+      <thm15:themeFamily xmlns:thm15="http://schemas.microsoft.com/office/thememl/2012/main" name="Office Theme" id="{62F939B6-93AF-4DB8-9C6B-D6C7DFDC589F}" vid="{4A3C46E8-61CC-4603-A589-7422A47A8E4A}"/>
+    </a:ext>
+  </a:extLst>
+</a:theme>
 </file>
 
-<file path=customXml/item2.xml><?xml version="1.0" encoding="utf-8"?>
+<file path=customXml/item1.xml><?xml version="1.0" encoding="utf-8"?>
 <ct:contentTypeSchema xmlns:ct="http://schemas.microsoft.com/office/2006/metadata/contentType" xmlns:ma="http://schemas.microsoft.com/office/2006/metadata/properties/metaAttributes" ct:_="" ma:_="" ma:contentTypeName="Document" ma:contentTypeID="0x01010088887112BA9110408E29B846B5AB4002" ma:contentTypeVersion="13" ma:contentTypeDescription="Create a new document." ma:contentTypeScope="" ma:versionID="2c846fbfb3cec7e562c7d64e75f02c6e">
   <xsd:schema xmlns:xsd="http://www.w3.org/2001/XMLSchema" xmlns:xs="http://www.w3.org/2001/XMLSchema" xmlns:p="http://schemas.microsoft.com/office/2006/metadata/properties" xmlns:ns2="5d69813c-2af7-4f13-8cc6-8597af48b3f7" xmlns:ns3="21e3de22-b3e1-4274-91e0-50fae02e4cca" targetNamespace="http://schemas.microsoft.com/office/2006/metadata/properties" ma:root="true" ma:fieldsID="80aa888d1c9f5b3e7f51aa63473540e6" ns2:_="" ns3:_="">
     <xsd:import namespace="5d69813c-2af7-4f13-8cc6-8597af48b3f7"/>
@@ -4893,7 +6459,7 @@
 </ct:contentTypeSchema>
 </file>
 
-<file path=customXml/item3.xml><?xml version="1.0" encoding="utf-8"?>
+<file path=customXml/item2.xml><?xml version="1.0" encoding="utf-8"?>
 <p:properties xmlns:p="http://schemas.microsoft.com/office/2006/metadata/properties" xmlns:xsi="http://www.w3.org/2001/XMLSchema-instance" xmlns:pc="http://schemas.microsoft.com/office/infopath/2007/PartnerControls">
   <documentManagement>
     <lcf76f155ced4ddcb4097134ff3c332f xmlns="5d69813c-2af7-4f13-8cc6-8597af48b3f7">
@@ -4903,46 +6469,55 @@
 </p:properties>
 </file>
 
+<file path=customXml/item3.xml><?xml version="1.0" encoding="utf-8"?>
+<?mso-contentType ?>
+<FormTemplates xmlns="http://schemas.microsoft.com/sharepoint/v3/contenttype/forms">
+  <Display>DocumentLibraryForm</Display>
+  <Edit>DocumentLibraryForm</Edit>
+  <New>DocumentLibraryForm</New>
+</FormTemplates>
+</file>
+
 <file path=customXml/itemProps1.xml><?xml version="1.0" encoding="utf-8"?>
+<ds:datastoreItem xmlns:ds="http://schemas.openxmlformats.org/officeDocument/2006/customXml" ds:itemID="{50EE9D1A-1B42-4B93-B17D-22A79B6E84FF}">
+  <ds:schemaRefs>
+    <ds:schemaRef ds:uri="21e3de22-b3e1-4274-91e0-50fae02e4cca"/>
+    <ds:schemaRef ds:uri="5d69813c-2af7-4f13-8cc6-8597af48b3f7"/>
+    <ds:schemaRef ds:uri="http://purl.org/dc/elements/1.1/"/>
+    <ds:schemaRef ds:uri="http://purl.org/dc/terms/"/>
+    <ds:schemaRef ds:uri="http://schemas.microsoft.com/internal/obd"/>
+    <ds:schemaRef ds:uri="http://schemas.microsoft.com/office/2006/documentManagement/types"/>
+    <ds:schemaRef ds:uri="http://schemas.microsoft.com/office/2006/metadata/contentType"/>
+    <ds:schemaRef ds:uri="http://schemas.microsoft.com/office/2006/metadata/properties"/>
+    <ds:schemaRef ds:uri="http://schemas.microsoft.com/office/2006/metadata/properties/metaAttributes"/>
+    <ds:schemaRef ds:uri="http://schemas.microsoft.com/office/infopath/2007/PartnerControls"/>
+    <ds:schemaRef ds:uri="http://schemas.openxmlformats.org/package/2006/metadata/core-properties"/>
+    <ds:schemaRef ds:uri="http://www.w3.org/2001/XMLSchema"/>
+  </ds:schemaRefs>
+</ds:datastoreItem>
+</file>
+
+<file path=customXml/itemProps2.xml><?xml version="1.0" encoding="utf-8"?>
+<ds:datastoreItem xmlns:ds="http://schemas.openxmlformats.org/officeDocument/2006/customXml" ds:itemID="{0736D70D-B632-48B3-B446-E3E5319527B1}">
+  <ds:schemaRefs>
+    <ds:schemaRef ds:uri="http://www.w3.org/XML/1998/namespace"/>
+    <ds:schemaRef ds:uri="http://purl.org/dc/elements/1.1/"/>
+    <ds:schemaRef ds:uri="http://purl.org/dc/dcmitype/"/>
+    <ds:schemaRef ds:uri="5d69813c-2af7-4f13-8cc6-8597af48b3f7"/>
+    <ds:schemaRef ds:uri="http://schemas.microsoft.com/office/infopath/2007/PartnerControls"/>
+    <ds:schemaRef ds:uri="http://schemas.microsoft.com/office/2006/documentManagement/types"/>
+    <ds:schemaRef ds:uri="http://schemas.microsoft.com/office/2006/metadata/properties"/>
+    <ds:schemaRef ds:uri="http://schemas.openxmlformats.org/package/2006/metadata/core-properties"/>
+    <ds:schemaRef ds:uri="21e3de22-b3e1-4274-91e0-50fae02e4cca"/>
+    <ds:schemaRef ds:uri="http://purl.org/dc/terms/"/>
+  </ds:schemaRefs>
+</ds:datastoreItem>
+</file>
+
+<file path=customXml/itemProps3.xml><?xml version="1.0" encoding="utf-8"?>
 <ds:datastoreItem xmlns:ds="http://schemas.openxmlformats.org/officeDocument/2006/customXml" ds:itemID="{389D46F6-DF20-4D41-B610-9A6C07218D7E}">
   <ds:schemaRefs>
     <ds:schemaRef ds:uri="http://schemas.microsoft.com/sharepoint/v3/contenttype/forms"/>
   </ds:schemaRefs>
 </ds:datastoreItem>
-</file>
-
-<file path=customXml/itemProps2.xml><?xml version="1.0" encoding="utf-8"?>
-<ds:datastoreItem xmlns:ds="http://schemas.openxmlformats.org/officeDocument/2006/customXml" ds:itemID="{50EE9D1A-1B42-4B93-B17D-22A79B6E84FF}">
-  <ds:schemaRefs>
-    <ds:schemaRef ds:uri="http://schemas.microsoft.com/office/2006/metadata/contentType"/>
-    <ds:schemaRef ds:uri="http://schemas.microsoft.com/office/2006/metadata/properties/metaAttributes"/>
-    <ds:schemaRef ds:uri="http://www.w3.org/2001/XMLSchema"/>
-    <ds:schemaRef ds:uri="http://schemas.microsoft.com/office/2006/metadata/properties"/>
-    <ds:schemaRef ds:uri="5d69813c-2af7-4f13-8cc6-8597af48b3f7"/>
-    <ds:schemaRef ds:uri="21e3de22-b3e1-4274-91e0-50fae02e4cca"/>
-    <ds:schemaRef ds:uri="http://schemas.microsoft.com/office/2006/documentManagement/types"/>
-    <ds:schemaRef ds:uri="http://schemas.microsoft.com/office/infopath/2007/PartnerControls"/>
-    <ds:schemaRef ds:uri="http://schemas.openxmlformats.org/package/2006/metadata/core-properties"/>
-    <ds:schemaRef ds:uri="http://purl.org/dc/elements/1.1/"/>
-    <ds:schemaRef ds:uri="http://purl.org/dc/terms/"/>
-    <ds:schemaRef ds:uri="http://schemas.microsoft.com/internal/obd"/>
-  </ds:schemaRefs>
-</ds:datastoreItem>
-</file>
-
-<file path=customXml/itemProps3.xml><?xml version="1.0" encoding="utf-8"?>
-<ds:datastoreItem xmlns:ds="http://schemas.openxmlformats.org/officeDocument/2006/customXml" ds:itemID="{0736D70D-B632-48B3-B446-E3E5319527B1}">
-  <ds:schemaRefs>
-    <ds:schemaRef ds:uri="5d69813c-2af7-4f13-8cc6-8597af48b3f7"/>
-    <ds:schemaRef ds:uri="http://purl.org/dc/elements/1.1/"/>
-    <ds:schemaRef ds:uri="http://schemas.microsoft.com/office/infopath/2007/PartnerControls"/>
-    <ds:schemaRef ds:uri="http://schemas.microsoft.com/office/2006/documentManagement/types"/>
-    <ds:schemaRef ds:uri="21e3de22-b3e1-4274-91e0-50fae02e4cca"/>
-    <ds:schemaRef ds:uri="http://schemas.microsoft.com/office/2006/metadata/properties"/>
-    <ds:schemaRef ds:uri="http://purl.org/dc/dcmitype/"/>
-    <ds:schemaRef ds:uri="http://schemas.openxmlformats.org/package/2006/metadata/core-properties"/>
-    <ds:schemaRef ds:uri="http://www.w3.org/XML/1998/namespace"/>
-    <ds:schemaRef ds:uri="http://purl.org/dc/terms/"/>
-  </ds:schemaRefs>
-</ds:datastoreItem>
 </file>